--- a/ppt 16-9/0708.宝血有权能.pptx
+++ b/ppt 16-9/0708.宝血有权能.pptx
@@ -5,7 +5,7 @@
     <p:sldMasterId id="2147483648" r:id="rId1"/>
   </p:sldMasterIdLst>
   <p:sldIdLst>
-    <p:sldId id="1936" r:id="rId2"/>
+    <p:sldId id="1937" r:id="rId2"/>
   </p:sldIdLst>
   <p:sldSz cx="12192000" cy="6858000"/>
   <p:notesSz cx="6858000" cy="9144000"/>
@@ -129,7 +129,7 @@
           <p:cNvPr id="2" name="标题 1">
             <a:extLst>
               <a:ext uri="{FF2B5EF4-FFF2-40B4-BE49-F238E27FC236}">
-                <a16:creationId xmlns:a16="http://schemas.microsoft.com/office/drawing/2014/main" id="{F2989735-4693-A520-D106-C1EF11CC4D7F}"/>
+                <a16:creationId xmlns:a16="http://schemas.microsoft.com/office/drawing/2014/main" id="{2EDA2678-007F-DFB1-100C-A8D48AF66F7B}"/>
               </a:ext>
             </a:extLst>
           </p:cNvPr>
@@ -166,7 +166,7 @@
           <p:cNvPr id="3" name="副标题 2">
             <a:extLst>
               <a:ext uri="{FF2B5EF4-FFF2-40B4-BE49-F238E27FC236}">
-                <a16:creationId xmlns:a16="http://schemas.microsoft.com/office/drawing/2014/main" id="{D09DF86E-4425-E52D-5EE0-808E09F90C96}"/>
+                <a16:creationId xmlns:a16="http://schemas.microsoft.com/office/drawing/2014/main" id="{755F8D1B-200C-D9C8-00F2-14E3B8B26DF0}"/>
               </a:ext>
             </a:extLst>
           </p:cNvPr>
@@ -236,7 +236,7 @@
           <p:cNvPr id="4" name="日期占位符 3">
             <a:extLst>
               <a:ext uri="{FF2B5EF4-FFF2-40B4-BE49-F238E27FC236}">
-                <a16:creationId xmlns:a16="http://schemas.microsoft.com/office/drawing/2014/main" id="{133904BD-FFB0-79A1-8FC9-35C322D71D89}"/>
+                <a16:creationId xmlns:a16="http://schemas.microsoft.com/office/drawing/2014/main" id="{2FF0A919-15B5-56BB-2F72-1F388561A851}"/>
               </a:ext>
             </a:extLst>
           </p:cNvPr>
@@ -252,7 +252,7 @@
           <a:bodyPr/>
           <a:lstStyle/>
           <a:p>
-            <a:fld id="{378DE4EC-D4D3-4588-A962-9B7C3C676FF3}" type="datetimeFigureOut">
+            <a:fld id="{ED80D837-AA9E-427A-93E8-988B4694432D}" type="datetimeFigureOut">
               <a:rPr lang="zh-CN" altLang="en-US" smtClean="0"/>
               <a:t>2024/3/10</a:t>
             </a:fld>
@@ -265,7 +265,7 @@
           <p:cNvPr id="5" name="页脚占位符 4">
             <a:extLst>
               <a:ext uri="{FF2B5EF4-FFF2-40B4-BE49-F238E27FC236}">
-                <a16:creationId xmlns:a16="http://schemas.microsoft.com/office/drawing/2014/main" id="{794984B3-89EA-F725-874B-BDB96FF351E2}"/>
+                <a16:creationId xmlns:a16="http://schemas.microsoft.com/office/drawing/2014/main" id="{215CA8B0-8D96-345B-6090-5E9BE43D714B}"/>
               </a:ext>
             </a:extLst>
           </p:cNvPr>
@@ -290,7 +290,7 @@
           <p:cNvPr id="6" name="灯片编号占位符 5">
             <a:extLst>
               <a:ext uri="{FF2B5EF4-FFF2-40B4-BE49-F238E27FC236}">
-                <a16:creationId xmlns:a16="http://schemas.microsoft.com/office/drawing/2014/main" id="{49219C03-E9BC-ED62-1D8F-88B0507F47C1}"/>
+                <a16:creationId xmlns:a16="http://schemas.microsoft.com/office/drawing/2014/main" id="{9F0E20FD-19C2-456B-5911-0CB481C0C8E5}"/>
               </a:ext>
             </a:extLst>
           </p:cNvPr>
@@ -306,7 +306,7 @@
           <a:bodyPr/>
           <a:lstStyle/>
           <a:p>
-            <a:fld id="{60600FDA-BB09-4752-AEEF-061495CFC75A}" type="slidenum">
+            <a:fld id="{35424615-D202-425C-9ACA-A880F45BBC44}" type="slidenum">
               <a:rPr lang="zh-CN" altLang="en-US" smtClean="0"/>
               <a:t>‹#›</a:t>
             </a:fld>
@@ -317,7 +317,7 @@
     </p:spTree>
     <p:extLst>
       <p:ext uri="{BB962C8B-B14F-4D97-AF65-F5344CB8AC3E}">
-        <p14:creationId xmlns:p14="http://schemas.microsoft.com/office/powerpoint/2010/main" val="384930489"/>
+        <p14:creationId xmlns:p14="http://schemas.microsoft.com/office/powerpoint/2010/main" val="388324557"/>
       </p:ext>
     </p:extLst>
   </p:cSld>
@@ -349,7 +349,7 @@
           <p:cNvPr id="2" name="标题 1">
             <a:extLst>
               <a:ext uri="{FF2B5EF4-FFF2-40B4-BE49-F238E27FC236}">
-                <a16:creationId xmlns:a16="http://schemas.microsoft.com/office/drawing/2014/main" id="{4E46B3C7-D917-6117-855A-F9D0AB4498D8}"/>
+                <a16:creationId xmlns:a16="http://schemas.microsoft.com/office/drawing/2014/main" id="{F222F6C2-0C5C-4558-50E3-375388446BA3}"/>
               </a:ext>
             </a:extLst>
           </p:cNvPr>
@@ -377,7 +377,7 @@
           <p:cNvPr id="3" name="竖排文字占位符 2">
             <a:extLst>
               <a:ext uri="{FF2B5EF4-FFF2-40B4-BE49-F238E27FC236}">
-                <a16:creationId xmlns:a16="http://schemas.microsoft.com/office/drawing/2014/main" id="{C2C1B366-07E5-37C5-2F41-9C5B22C90233}"/>
+                <a16:creationId xmlns:a16="http://schemas.microsoft.com/office/drawing/2014/main" id="{4756DCFD-6DA7-ECA7-2C37-CC1ABA60A7F8}"/>
               </a:ext>
             </a:extLst>
           </p:cNvPr>
@@ -434,7 +434,7 @@
           <p:cNvPr id="4" name="日期占位符 3">
             <a:extLst>
               <a:ext uri="{FF2B5EF4-FFF2-40B4-BE49-F238E27FC236}">
-                <a16:creationId xmlns:a16="http://schemas.microsoft.com/office/drawing/2014/main" id="{8B299D68-37C5-0564-F8E8-77F428EBAFC4}"/>
+                <a16:creationId xmlns:a16="http://schemas.microsoft.com/office/drawing/2014/main" id="{84DBC941-4D86-EE53-7897-6C889D3919F0}"/>
               </a:ext>
             </a:extLst>
           </p:cNvPr>
@@ -450,7 +450,7 @@
           <a:bodyPr/>
           <a:lstStyle/>
           <a:p>
-            <a:fld id="{378DE4EC-D4D3-4588-A962-9B7C3C676FF3}" type="datetimeFigureOut">
+            <a:fld id="{ED80D837-AA9E-427A-93E8-988B4694432D}" type="datetimeFigureOut">
               <a:rPr lang="zh-CN" altLang="en-US" smtClean="0"/>
               <a:t>2024/3/10</a:t>
             </a:fld>
@@ -463,7 +463,7 @@
           <p:cNvPr id="5" name="页脚占位符 4">
             <a:extLst>
               <a:ext uri="{FF2B5EF4-FFF2-40B4-BE49-F238E27FC236}">
-                <a16:creationId xmlns:a16="http://schemas.microsoft.com/office/drawing/2014/main" id="{08A64CAF-B049-5D8C-1999-53855D538F38}"/>
+                <a16:creationId xmlns:a16="http://schemas.microsoft.com/office/drawing/2014/main" id="{A8454836-AC7F-9946-A29A-50DFC31C3CAC}"/>
               </a:ext>
             </a:extLst>
           </p:cNvPr>
@@ -488,7 +488,7 @@
           <p:cNvPr id="6" name="灯片编号占位符 5">
             <a:extLst>
               <a:ext uri="{FF2B5EF4-FFF2-40B4-BE49-F238E27FC236}">
-                <a16:creationId xmlns:a16="http://schemas.microsoft.com/office/drawing/2014/main" id="{97C5F12C-952B-67C0-F608-25F3C69D870E}"/>
+                <a16:creationId xmlns:a16="http://schemas.microsoft.com/office/drawing/2014/main" id="{0F2BDEFE-E823-14E8-341C-D86A2B1F5C55}"/>
               </a:ext>
             </a:extLst>
           </p:cNvPr>
@@ -504,7 +504,7 @@
           <a:bodyPr/>
           <a:lstStyle/>
           <a:p>
-            <a:fld id="{60600FDA-BB09-4752-AEEF-061495CFC75A}" type="slidenum">
+            <a:fld id="{35424615-D202-425C-9ACA-A880F45BBC44}" type="slidenum">
               <a:rPr lang="zh-CN" altLang="en-US" smtClean="0"/>
               <a:t>‹#›</a:t>
             </a:fld>
@@ -515,7 +515,7 @@
     </p:spTree>
     <p:extLst>
       <p:ext uri="{BB962C8B-B14F-4D97-AF65-F5344CB8AC3E}">
-        <p14:creationId xmlns:p14="http://schemas.microsoft.com/office/powerpoint/2010/main" val="2404253996"/>
+        <p14:creationId xmlns:p14="http://schemas.microsoft.com/office/powerpoint/2010/main" val="1223426768"/>
       </p:ext>
     </p:extLst>
   </p:cSld>
@@ -547,7 +547,7 @@
           <p:cNvPr id="2" name="竖排标题 1">
             <a:extLst>
               <a:ext uri="{FF2B5EF4-FFF2-40B4-BE49-F238E27FC236}">
-                <a16:creationId xmlns:a16="http://schemas.microsoft.com/office/drawing/2014/main" id="{11A606FA-6CBB-5612-60F2-E8E094351852}"/>
+                <a16:creationId xmlns:a16="http://schemas.microsoft.com/office/drawing/2014/main" id="{8179F931-2262-30DF-D9C8-1F6E574D0F99}"/>
               </a:ext>
             </a:extLst>
           </p:cNvPr>
@@ -580,7 +580,7 @@
           <p:cNvPr id="3" name="竖排文字占位符 2">
             <a:extLst>
               <a:ext uri="{FF2B5EF4-FFF2-40B4-BE49-F238E27FC236}">
-                <a16:creationId xmlns:a16="http://schemas.microsoft.com/office/drawing/2014/main" id="{18ACE9DB-D893-FE40-9C75-0B97DC2CB388}"/>
+                <a16:creationId xmlns:a16="http://schemas.microsoft.com/office/drawing/2014/main" id="{6849610C-1169-DBAE-0938-1198FF13334D}"/>
               </a:ext>
             </a:extLst>
           </p:cNvPr>
@@ -642,7 +642,7 @@
           <p:cNvPr id="4" name="日期占位符 3">
             <a:extLst>
               <a:ext uri="{FF2B5EF4-FFF2-40B4-BE49-F238E27FC236}">
-                <a16:creationId xmlns:a16="http://schemas.microsoft.com/office/drawing/2014/main" id="{E9C97F23-42B1-70E7-264B-C5059EF330B4}"/>
+                <a16:creationId xmlns:a16="http://schemas.microsoft.com/office/drawing/2014/main" id="{3ADC0605-FF99-24D0-EA8C-CEC7F9AB3FF7}"/>
               </a:ext>
             </a:extLst>
           </p:cNvPr>
@@ -658,7 +658,7 @@
           <a:bodyPr/>
           <a:lstStyle/>
           <a:p>
-            <a:fld id="{378DE4EC-D4D3-4588-A962-9B7C3C676FF3}" type="datetimeFigureOut">
+            <a:fld id="{ED80D837-AA9E-427A-93E8-988B4694432D}" type="datetimeFigureOut">
               <a:rPr lang="zh-CN" altLang="en-US" smtClean="0"/>
               <a:t>2024/3/10</a:t>
             </a:fld>
@@ -671,7 +671,7 @@
           <p:cNvPr id="5" name="页脚占位符 4">
             <a:extLst>
               <a:ext uri="{FF2B5EF4-FFF2-40B4-BE49-F238E27FC236}">
-                <a16:creationId xmlns:a16="http://schemas.microsoft.com/office/drawing/2014/main" id="{53A8C0F3-CC0F-1E81-006E-3FE53262AFD2}"/>
+                <a16:creationId xmlns:a16="http://schemas.microsoft.com/office/drawing/2014/main" id="{9CFB0914-112B-A80A-19B0-BBC74F06F758}"/>
               </a:ext>
             </a:extLst>
           </p:cNvPr>
@@ -696,7 +696,7 @@
           <p:cNvPr id="6" name="灯片编号占位符 5">
             <a:extLst>
               <a:ext uri="{FF2B5EF4-FFF2-40B4-BE49-F238E27FC236}">
-                <a16:creationId xmlns:a16="http://schemas.microsoft.com/office/drawing/2014/main" id="{14A345C3-6962-3635-B24B-D7359FBB0378}"/>
+                <a16:creationId xmlns:a16="http://schemas.microsoft.com/office/drawing/2014/main" id="{C874F419-C580-EDC9-05EF-211F8F02F7D6}"/>
               </a:ext>
             </a:extLst>
           </p:cNvPr>
@@ -712,7 +712,7 @@
           <a:bodyPr/>
           <a:lstStyle/>
           <a:p>
-            <a:fld id="{60600FDA-BB09-4752-AEEF-061495CFC75A}" type="slidenum">
+            <a:fld id="{35424615-D202-425C-9ACA-A880F45BBC44}" type="slidenum">
               <a:rPr lang="zh-CN" altLang="en-US" smtClean="0"/>
               <a:t>‹#›</a:t>
             </a:fld>
@@ -723,7 +723,7 @@
     </p:spTree>
     <p:extLst>
       <p:ext uri="{BB962C8B-B14F-4D97-AF65-F5344CB8AC3E}">
-        <p14:creationId xmlns:p14="http://schemas.microsoft.com/office/powerpoint/2010/main" val="1874097705"/>
+        <p14:creationId xmlns:p14="http://schemas.microsoft.com/office/powerpoint/2010/main" val="3051851872"/>
       </p:ext>
     </p:extLst>
   </p:cSld>
@@ -755,7 +755,7 @@
           <p:cNvPr id="2" name="标题 1">
             <a:extLst>
               <a:ext uri="{FF2B5EF4-FFF2-40B4-BE49-F238E27FC236}">
-                <a16:creationId xmlns:a16="http://schemas.microsoft.com/office/drawing/2014/main" id="{C486C5C2-9C94-8D44-135F-4636BD4E1C97}"/>
+                <a16:creationId xmlns:a16="http://schemas.microsoft.com/office/drawing/2014/main" id="{1C33C971-3897-5740-682C-097F3AE50B08}"/>
               </a:ext>
             </a:extLst>
           </p:cNvPr>
@@ -783,7 +783,7 @@
           <p:cNvPr id="3" name="内容占位符 2">
             <a:extLst>
               <a:ext uri="{FF2B5EF4-FFF2-40B4-BE49-F238E27FC236}">
-                <a16:creationId xmlns:a16="http://schemas.microsoft.com/office/drawing/2014/main" id="{C4683231-B5F9-F8F3-B705-80C968D61822}"/>
+                <a16:creationId xmlns:a16="http://schemas.microsoft.com/office/drawing/2014/main" id="{184E8413-9EC4-8CC7-C6F9-36B192004C46}"/>
               </a:ext>
             </a:extLst>
           </p:cNvPr>
@@ -840,7 +840,7 @@
           <p:cNvPr id="4" name="日期占位符 3">
             <a:extLst>
               <a:ext uri="{FF2B5EF4-FFF2-40B4-BE49-F238E27FC236}">
-                <a16:creationId xmlns:a16="http://schemas.microsoft.com/office/drawing/2014/main" id="{4742EE15-5E9F-D87F-C486-ABDB14F9C45B}"/>
+                <a16:creationId xmlns:a16="http://schemas.microsoft.com/office/drawing/2014/main" id="{7ACB17DC-466B-6696-FCDC-96DAA096C101}"/>
               </a:ext>
             </a:extLst>
           </p:cNvPr>
@@ -856,7 +856,7 @@
           <a:bodyPr/>
           <a:lstStyle/>
           <a:p>
-            <a:fld id="{378DE4EC-D4D3-4588-A962-9B7C3C676FF3}" type="datetimeFigureOut">
+            <a:fld id="{ED80D837-AA9E-427A-93E8-988B4694432D}" type="datetimeFigureOut">
               <a:rPr lang="zh-CN" altLang="en-US" smtClean="0"/>
               <a:t>2024/3/10</a:t>
             </a:fld>
@@ -869,7 +869,7 @@
           <p:cNvPr id="5" name="页脚占位符 4">
             <a:extLst>
               <a:ext uri="{FF2B5EF4-FFF2-40B4-BE49-F238E27FC236}">
-                <a16:creationId xmlns:a16="http://schemas.microsoft.com/office/drawing/2014/main" id="{1E87B468-0AD8-139B-27FE-326DDD65BC05}"/>
+                <a16:creationId xmlns:a16="http://schemas.microsoft.com/office/drawing/2014/main" id="{20ECFFCE-8319-A331-590D-A0AB51078A89}"/>
               </a:ext>
             </a:extLst>
           </p:cNvPr>
@@ -894,7 +894,7 @@
           <p:cNvPr id="6" name="灯片编号占位符 5">
             <a:extLst>
               <a:ext uri="{FF2B5EF4-FFF2-40B4-BE49-F238E27FC236}">
-                <a16:creationId xmlns:a16="http://schemas.microsoft.com/office/drawing/2014/main" id="{335A3B12-80F7-EB78-3014-9B08F829AE52}"/>
+                <a16:creationId xmlns:a16="http://schemas.microsoft.com/office/drawing/2014/main" id="{5E84613D-5707-01F2-D99A-CCCAC159E985}"/>
               </a:ext>
             </a:extLst>
           </p:cNvPr>
@@ -910,7 +910,7 @@
           <a:bodyPr/>
           <a:lstStyle/>
           <a:p>
-            <a:fld id="{60600FDA-BB09-4752-AEEF-061495CFC75A}" type="slidenum">
+            <a:fld id="{35424615-D202-425C-9ACA-A880F45BBC44}" type="slidenum">
               <a:rPr lang="zh-CN" altLang="en-US" smtClean="0"/>
               <a:t>‹#›</a:t>
             </a:fld>
@@ -921,7 +921,7 @@
     </p:spTree>
     <p:extLst>
       <p:ext uri="{BB962C8B-B14F-4D97-AF65-F5344CB8AC3E}">
-        <p14:creationId xmlns:p14="http://schemas.microsoft.com/office/powerpoint/2010/main" val="569015464"/>
+        <p14:creationId xmlns:p14="http://schemas.microsoft.com/office/powerpoint/2010/main" val="2439739270"/>
       </p:ext>
     </p:extLst>
   </p:cSld>
@@ -953,7 +953,7 @@
           <p:cNvPr id="2" name="标题 1">
             <a:extLst>
               <a:ext uri="{FF2B5EF4-FFF2-40B4-BE49-F238E27FC236}">
-                <a16:creationId xmlns:a16="http://schemas.microsoft.com/office/drawing/2014/main" id="{C155BC18-64F6-8D29-41BA-BDCC0C4F77E2}"/>
+                <a16:creationId xmlns:a16="http://schemas.microsoft.com/office/drawing/2014/main" id="{1B7500ED-DF4C-508C-D802-B3CBF48BB6AD}"/>
               </a:ext>
             </a:extLst>
           </p:cNvPr>
@@ -990,7 +990,7 @@
           <p:cNvPr id="3" name="文本占位符 2">
             <a:extLst>
               <a:ext uri="{FF2B5EF4-FFF2-40B4-BE49-F238E27FC236}">
-                <a16:creationId xmlns:a16="http://schemas.microsoft.com/office/drawing/2014/main" id="{DB993FE2-8009-EA55-A7D7-14C8D0C652FE}"/>
+                <a16:creationId xmlns:a16="http://schemas.microsoft.com/office/drawing/2014/main" id="{914A29E9-23A6-A643-456F-DA39CE6FE802}"/>
               </a:ext>
             </a:extLst>
           </p:cNvPr>
@@ -1115,7 +1115,7 @@
           <p:cNvPr id="4" name="日期占位符 3">
             <a:extLst>
               <a:ext uri="{FF2B5EF4-FFF2-40B4-BE49-F238E27FC236}">
-                <a16:creationId xmlns:a16="http://schemas.microsoft.com/office/drawing/2014/main" id="{45D41CDA-5E29-170D-241A-706D8A031086}"/>
+                <a16:creationId xmlns:a16="http://schemas.microsoft.com/office/drawing/2014/main" id="{F9084A12-8032-2E5D-123A-31F4FFDCC32E}"/>
               </a:ext>
             </a:extLst>
           </p:cNvPr>
@@ -1131,7 +1131,7 @@
           <a:bodyPr/>
           <a:lstStyle/>
           <a:p>
-            <a:fld id="{378DE4EC-D4D3-4588-A962-9B7C3C676FF3}" type="datetimeFigureOut">
+            <a:fld id="{ED80D837-AA9E-427A-93E8-988B4694432D}" type="datetimeFigureOut">
               <a:rPr lang="zh-CN" altLang="en-US" smtClean="0"/>
               <a:t>2024/3/10</a:t>
             </a:fld>
@@ -1144,7 +1144,7 @@
           <p:cNvPr id="5" name="页脚占位符 4">
             <a:extLst>
               <a:ext uri="{FF2B5EF4-FFF2-40B4-BE49-F238E27FC236}">
-                <a16:creationId xmlns:a16="http://schemas.microsoft.com/office/drawing/2014/main" id="{B98E12BE-E849-8986-65DE-A0C23E181138}"/>
+                <a16:creationId xmlns:a16="http://schemas.microsoft.com/office/drawing/2014/main" id="{3AE7FBCA-92D3-3AE4-D28F-FF0FB32C82EB}"/>
               </a:ext>
             </a:extLst>
           </p:cNvPr>
@@ -1169,7 +1169,7 @@
           <p:cNvPr id="6" name="灯片编号占位符 5">
             <a:extLst>
               <a:ext uri="{FF2B5EF4-FFF2-40B4-BE49-F238E27FC236}">
-                <a16:creationId xmlns:a16="http://schemas.microsoft.com/office/drawing/2014/main" id="{083549F3-BCAA-D698-C4B3-C281DBF1127C}"/>
+                <a16:creationId xmlns:a16="http://schemas.microsoft.com/office/drawing/2014/main" id="{27462826-F2CD-0985-4BAF-C08E6433391B}"/>
               </a:ext>
             </a:extLst>
           </p:cNvPr>
@@ -1185,7 +1185,7 @@
           <a:bodyPr/>
           <a:lstStyle/>
           <a:p>
-            <a:fld id="{60600FDA-BB09-4752-AEEF-061495CFC75A}" type="slidenum">
+            <a:fld id="{35424615-D202-425C-9ACA-A880F45BBC44}" type="slidenum">
               <a:rPr lang="zh-CN" altLang="en-US" smtClean="0"/>
               <a:t>‹#›</a:t>
             </a:fld>
@@ -1196,7 +1196,7 @@
     </p:spTree>
     <p:extLst>
       <p:ext uri="{BB962C8B-B14F-4D97-AF65-F5344CB8AC3E}">
-        <p14:creationId xmlns:p14="http://schemas.microsoft.com/office/powerpoint/2010/main" val="4074661793"/>
+        <p14:creationId xmlns:p14="http://schemas.microsoft.com/office/powerpoint/2010/main" val="228724226"/>
       </p:ext>
     </p:extLst>
   </p:cSld>
@@ -1228,7 +1228,7 @@
           <p:cNvPr id="2" name="标题 1">
             <a:extLst>
               <a:ext uri="{FF2B5EF4-FFF2-40B4-BE49-F238E27FC236}">
-                <a16:creationId xmlns:a16="http://schemas.microsoft.com/office/drawing/2014/main" id="{EEC6ADD0-8D47-D423-495E-D5D1E055A647}"/>
+                <a16:creationId xmlns:a16="http://schemas.microsoft.com/office/drawing/2014/main" id="{399F317E-0C9E-A6A3-C737-91463BE365D1}"/>
               </a:ext>
             </a:extLst>
           </p:cNvPr>
@@ -1256,7 +1256,7 @@
           <p:cNvPr id="3" name="内容占位符 2">
             <a:extLst>
               <a:ext uri="{FF2B5EF4-FFF2-40B4-BE49-F238E27FC236}">
-                <a16:creationId xmlns:a16="http://schemas.microsoft.com/office/drawing/2014/main" id="{BF56082B-D79C-6C0F-F96A-0CC953B8EF65}"/>
+                <a16:creationId xmlns:a16="http://schemas.microsoft.com/office/drawing/2014/main" id="{3B102AA8-AFB3-D2E2-AA44-06A0B1E2BA62}"/>
               </a:ext>
             </a:extLst>
           </p:cNvPr>
@@ -1318,7 +1318,7 @@
           <p:cNvPr id="4" name="内容占位符 3">
             <a:extLst>
               <a:ext uri="{FF2B5EF4-FFF2-40B4-BE49-F238E27FC236}">
-                <a16:creationId xmlns:a16="http://schemas.microsoft.com/office/drawing/2014/main" id="{B0DFF780-CC81-A01A-0D76-EA46DFA7EED6}"/>
+                <a16:creationId xmlns:a16="http://schemas.microsoft.com/office/drawing/2014/main" id="{1A78222A-3833-E03D-C4D9-D338948D4145}"/>
               </a:ext>
             </a:extLst>
           </p:cNvPr>
@@ -1380,7 +1380,7 @@
           <p:cNvPr id="5" name="日期占位符 4">
             <a:extLst>
               <a:ext uri="{FF2B5EF4-FFF2-40B4-BE49-F238E27FC236}">
-                <a16:creationId xmlns:a16="http://schemas.microsoft.com/office/drawing/2014/main" id="{9BF77C87-2AF1-20F4-FD0D-C22272DE5F34}"/>
+                <a16:creationId xmlns:a16="http://schemas.microsoft.com/office/drawing/2014/main" id="{934FBF0F-29E4-4BD5-AC0A-F7BED170458C}"/>
               </a:ext>
             </a:extLst>
           </p:cNvPr>
@@ -1396,7 +1396,7 @@
           <a:bodyPr/>
           <a:lstStyle/>
           <a:p>
-            <a:fld id="{378DE4EC-D4D3-4588-A962-9B7C3C676FF3}" type="datetimeFigureOut">
+            <a:fld id="{ED80D837-AA9E-427A-93E8-988B4694432D}" type="datetimeFigureOut">
               <a:rPr lang="zh-CN" altLang="en-US" smtClean="0"/>
               <a:t>2024/3/10</a:t>
             </a:fld>
@@ -1409,7 +1409,7 @@
           <p:cNvPr id="6" name="页脚占位符 5">
             <a:extLst>
               <a:ext uri="{FF2B5EF4-FFF2-40B4-BE49-F238E27FC236}">
-                <a16:creationId xmlns:a16="http://schemas.microsoft.com/office/drawing/2014/main" id="{78CD928B-89A4-BDD2-BDF7-5BD1E51F7720}"/>
+                <a16:creationId xmlns:a16="http://schemas.microsoft.com/office/drawing/2014/main" id="{ED4233DC-DB0F-7209-9B74-89BF0A5ADBEC}"/>
               </a:ext>
             </a:extLst>
           </p:cNvPr>
@@ -1434,7 +1434,7 @@
           <p:cNvPr id="7" name="灯片编号占位符 6">
             <a:extLst>
               <a:ext uri="{FF2B5EF4-FFF2-40B4-BE49-F238E27FC236}">
-                <a16:creationId xmlns:a16="http://schemas.microsoft.com/office/drawing/2014/main" id="{EDF261F7-2AD0-8C4E-5A27-9BD5C25E88B2}"/>
+                <a16:creationId xmlns:a16="http://schemas.microsoft.com/office/drawing/2014/main" id="{8B8F69B5-D714-5A0C-5509-4BC9D9CB624E}"/>
               </a:ext>
             </a:extLst>
           </p:cNvPr>
@@ -1450,7 +1450,7 @@
           <a:bodyPr/>
           <a:lstStyle/>
           <a:p>
-            <a:fld id="{60600FDA-BB09-4752-AEEF-061495CFC75A}" type="slidenum">
+            <a:fld id="{35424615-D202-425C-9ACA-A880F45BBC44}" type="slidenum">
               <a:rPr lang="zh-CN" altLang="en-US" smtClean="0"/>
               <a:t>‹#›</a:t>
             </a:fld>
@@ -1461,7 +1461,7 @@
     </p:spTree>
     <p:extLst>
       <p:ext uri="{BB962C8B-B14F-4D97-AF65-F5344CB8AC3E}">
-        <p14:creationId xmlns:p14="http://schemas.microsoft.com/office/powerpoint/2010/main" val="1123321884"/>
+        <p14:creationId xmlns:p14="http://schemas.microsoft.com/office/powerpoint/2010/main" val="998124216"/>
       </p:ext>
     </p:extLst>
   </p:cSld>
@@ -1493,7 +1493,7 @@
           <p:cNvPr id="2" name="标题 1">
             <a:extLst>
               <a:ext uri="{FF2B5EF4-FFF2-40B4-BE49-F238E27FC236}">
-                <a16:creationId xmlns:a16="http://schemas.microsoft.com/office/drawing/2014/main" id="{4E7650B8-E5DD-DFBD-B356-4E52467044A2}"/>
+                <a16:creationId xmlns:a16="http://schemas.microsoft.com/office/drawing/2014/main" id="{B62C7866-F015-92E3-1A1F-D6BF277AA28F}"/>
               </a:ext>
             </a:extLst>
           </p:cNvPr>
@@ -1526,7 +1526,7 @@
           <p:cNvPr id="3" name="文本占位符 2">
             <a:extLst>
               <a:ext uri="{FF2B5EF4-FFF2-40B4-BE49-F238E27FC236}">
-                <a16:creationId xmlns:a16="http://schemas.microsoft.com/office/drawing/2014/main" id="{08567C7B-1B01-5B62-D944-02555A09E0F3}"/>
+                <a16:creationId xmlns:a16="http://schemas.microsoft.com/office/drawing/2014/main" id="{00CFB0FA-C02C-99E8-590F-EA0F3EBF926F}"/>
               </a:ext>
             </a:extLst>
           </p:cNvPr>
@@ -1597,7 +1597,7 @@
           <p:cNvPr id="4" name="内容占位符 3">
             <a:extLst>
               <a:ext uri="{FF2B5EF4-FFF2-40B4-BE49-F238E27FC236}">
-                <a16:creationId xmlns:a16="http://schemas.microsoft.com/office/drawing/2014/main" id="{1A8D42EF-AA37-4FBB-854B-83992579146F}"/>
+                <a16:creationId xmlns:a16="http://schemas.microsoft.com/office/drawing/2014/main" id="{663F7AB7-B770-5AFF-24B7-3F464080CC79}"/>
               </a:ext>
             </a:extLst>
           </p:cNvPr>
@@ -1659,7 +1659,7 @@
           <p:cNvPr id="5" name="文本占位符 4">
             <a:extLst>
               <a:ext uri="{FF2B5EF4-FFF2-40B4-BE49-F238E27FC236}">
-                <a16:creationId xmlns:a16="http://schemas.microsoft.com/office/drawing/2014/main" id="{B1CF1F50-4941-9902-9291-51EADE076C33}"/>
+                <a16:creationId xmlns:a16="http://schemas.microsoft.com/office/drawing/2014/main" id="{3AAD6107-106D-B0E8-8FDB-E2FA36DA7255}"/>
               </a:ext>
             </a:extLst>
           </p:cNvPr>
@@ -1730,7 +1730,7 @@
           <p:cNvPr id="6" name="内容占位符 5">
             <a:extLst>
               <a:ext uri="{FF2B5EF4-FFF2-40B4-BE49-F238E27FC236}">
-                <a16:creationId xmlns:a16="http://schemas.microsoft.com/office/drawing/2014/main" id="{E9BBAB23-CE51-E6A3-1E4D-9F31878D10F3}"/>
+                <a16:creationId xmlns:a16="http://schemas.microsoft.com/office/drawing/2014/main" id="{354AB5FA-273C-DD26-843E-6FF95278E4E1}"/>
               </a:ext>
             </a:extLst>
           </p:cNvPr>
@@ -1792,7 +1792,7 @@
           <p:cNvPr id="7" name="日期占位符 6">
             <a:extLst>
               <a:ext uri="{FF2B5EF4-FFF2-40B4-BE49-F238E27FC236}">
-                <a16:creationId xmlns:a16="http://schemas.microsoft.com/office/drawing/2014/main" id="{153C7D5F-DD69-B878-FB57-06708EAE08E7}"/>
+                <a16:creationId xmlns:a16="http://schemas.microsoft.com/office/drawing/2014/main" id="{42EA5D87-11A0-2270-757A-FCD0928E823B}"/>
               </a:ext>
             </a:extLst>
           </p:cNvPr>
@@ -1808,7 +1808,7 @@
           <a:bodyPr/>
           <a:lstStyle/>
           <a:p>
-            <a:fld id="{378DE4EC-D4D3-4588-A962-9B7C3C676FF3}" type="datetimeFigureOut">
+            <a:fld id="{ED80D837-AA9E-427A-93E8-988B4694432D}" type="datetimeFigureOut">
               <a:rPr lang="zh-CN" altLang="en-US" smtClean="0"/>
               <a:t>2024/3/10</a:t>
             </a:fld>
@@ -1821,7 +1821,7 @@
           <p:cNvPr id="8" name="页脚占位符 7">
             <a:extLst>
               <a:ext uri="{FF2B5EF4-FFF2-40B4-BE49-F238E27FC236}">
-                <a16:creationId xmlns:a16="http://schemas.microsoft.com/office/drawing/2014/main" id="{28EE525E-7209-D1C1-9AE0-3C3AC8977D73}"/>
+                <a16:creationId xmlns:a16="http://schemas.microsoft.com/office/drawing/2014/main" id="{8040526A-ADB6-0BC2-E9E6-5C6E4E87AAC5}"/>
               </a:ext>
             </a:extLst>
           </p:cNvPr>
@@ -1846,7 +1846,7 @@
           <p:cNvPr id="9" name="灯片编号占位符 8">
             <a:extLst>
               <a:ext uri="{FF2B5EF4-FFF2-40B4-BE49-F238E27FC236}">
-                <a16:creationId xmlns:a16="http://schemas.microsoft.com/office/drawing/2014/main" id="{9A9C1151-2B2B-ECE3-515D-FF45E96B6BB8}"/>
+                <a16:creationId xmlns:a16="http://schemas.microsoft.com/office/drawing/2014/main" id="{5C504A0B-0EF2-3D92-8ECD-116AE9CBCA7C}"/>
               </a:ext>
             </a:extLst>
           </p:cNvPr>
@@ -1862,7 +1862,7 @@
           <a:bodyPr/>
           <a:lstStyle/>
           <a:p>
-            <a:fld id="{60600FDA-BB09-4752-AEEF-061495CFC75A}" type="slidenum">
+            <a:fld id="{35424615-D202-425C-9ACA-A880F45BBC44}" type="slidenum">
               <a:rPr lang="zh-CN" altLang="en-US" smtClean="0"/>
               <a:t>‹#›</a:t>
             </a:fld>
@@ -1873,7 +1873,7 @@
     </p:spTree>
     <p:extLst>
       <p:ext uri="{BB962C8B-B14F-4D97-AF65-F5344CB8AC3E}">
-        <p14:creationId xmlns:p14="http://schemas.microsoft.com/office/powerpoint/2010/main" val="2995074656"/>
+        <p14:creationId xmlns:p14="http://schemas.microsoft.com/office/powerpoint/2010/main" val="2681050248"/>
       </p:ext>
     </p:extLst>
   </p:cSld>
@@ -1905,7 +1905,7 @@
           <p:cNvPr id="2" name="标题 1">
             <a:extLst>
               <a:ext uri="{FF2B5EF4-FFF2-40B4-BE49-F238E27FC236}">
-                <a16:creationId xmlns:a16="http://schemas.microsoft.com/office/drawing/2014/main" id="{7144D4F3-4580-7FF4-8B0D-152BF0CC6D3E}"/>
+                <a16:creationId xmlns:a16="http://schemas.microsoft.com/office/drawing/2014/main" id="{4171826B-3446-71F1-85F7-1431653BA666}"/>
               </a:ext>
             </a:extLst>
           </p:cNvPr>
@@ -1933,7 +1933,7 @@
           <p:cNvPr id="3" name="日期占位符 2">
             <a:extLst>
               <a:ext uri="{FF2B5EF4-FFF2-40B4-BE49-F238E27FC236}">
-                <a16:creationId xmlns:a16="http://schemas.microsoft.com/office/drawing/2014/main" id="{2C97D017-BFCA-8C93-D308-263A1D5D80D8}"/>
+                <a16:creationId xmlns:a16="http://schemas.microsoft.com/office/drawing/2014/main" id="{B135EDDB-D872-CBEC-26F5-24BDA6A1BAEF}"/>
               </a:ext>
             </a:extLst>
           </p:cNvPr>
@@ -1949,7 +1949,7 @@
           <a:bodyPr/>
           <a:lstStyle/>
           <a:p>
-            <a:fld id="{378DE4EC-D4D3-4588-A962-9B7C3C676FF3}" type="datetimeFigureOut">
+            <a:fld id="{ED80D837-AA9E-427A-93E8-988B4694432D}" type="datetimeFigureOut">
               <a:rPr lang="zh-CN" altLang="en-US" smtClean="0"/>
               <a:t>2024/3/10</a:t>
             </a:fld>
@@ -1962,7 +1962,7 @@
           <p:cNvPr id="4" name="页脚占位符 3">
             <a:extLst>
               <a:ext uri="{FF2B5EF4-FFF2-40B4-BE49-F238E27FC236}">
-                <a16:creationId xmlns:a16="http://schemas.microsoft.com/office/drawing/2014/main" id="{FC2869EC-F70E-2448-5C7E-F39B377B95BF}"/>
+                <a16:creationId xmlns:a16="http://schemas.microsoft.com/office/drawing/2014/main" id="{CEE97680-1015-89C1-A794-DCA0CFCF3D97}"/>
               </a:ext>
             </a:extLst>
           </p:cNvPr>
@@ -1987,7 +1987,7 @@
           <p:cNvPr id="5" name="灯片编号占位符 4">
             <a:extLst>
               <a:ext uri="{FF2B5EF4-FFF2-40B4-BE49-F238E27FC236}">
-                <a16:creationId xmlns:a16="http://schemas.microsoft.com/office/drawing/2014/main" id="{B73B799D-BFFE-AC00-78B5-D1E82CD90B1A}"/>
+                <a16:creationId xmlns:a16="http://schemas.microsoft.com/office/drawing/2014/main" id="{07039725-DCB6-6579-A288-CDBA02CB60D3}"/>
               </a:ext>
             </a:extLst>
           </p:cNvPr>
@@ -2003,7 +2003,7 @@
           <a:bodyPr/>
           <a:lstStyle/>
           <a:p>
-            <a:fld id="{60600FDA-BB09-4752-AEEF-061495CFC75A}" type="slidenum">
+            <a:fld id="{35424615-D202-425C-9ACA-A880F45BBC44}" type="slidenum">
               <a:rPr lang="zh-CN" altLang="en-US" smtClean="0"/>
               <a:t>‹#›</a:t>
             </a:fld>
@@ -2014,7 +2014,7 @@
     </p:spTree>
     <p:extLst>
       <p:ext uri="{BB962C8B-B14F-4D97-AF65-F5344CB8AC3E}">
-        <p14:creationId xmlns:p14="http://schemas.microsoft.com/office/powerpoint/2010/main" val="3142593604"/>
+        <p14:creationId xmlns:p14="http://schemas.microsoft.com/office/powerpoint/2010/main" val="2058930978"/>
       </p:ext>
     </p:extLst>
   </p:cSld>
@@ -2046,7 +2046,7 @@
           <p:cNvPr id="2" name="日期占位符 1">
             <a:extLst>
               <a:ext uri="{FF2B5EF4-FFF2-40B4-BE49-F238E27FC236}">
-                <a16:creationId xmlns:a16="http://schemas.microsoft.com/office/drawing/2014/main" id="{A6A6BC0B-AD5D-26D6-0035-359356329344}"/>
+                <a16:creationId xmlns:a16="http://schemas.microsoft.com/office/drawing/2014/main" id="{CA866985-BA28-7768-0BF5-4E503F835422}"/>
               </a:ext>
             </a:extLst>
           </p:cNvPr>
@@ -2062,7 +2062,7 @@
           <a:bodyPr/>
           <a:lstStyle/>
           <a:p>
-            <a:fld id="{378DE4EC-D4D3-4588-A962-9B7C3C676FF3}" type="datetimeFigureOut">
+            <a:fld id="{ED80D837-AA9E-427A-93E8-988B4694432D}" type="datetimeFigureOut">
               <a:rPr lang="zh-CN" altLang="en-US" smtClean="0"/>
               <a:t>2024/3/10</a:t>
             </a:fld>
@@ -2075,7 +2075,7 @@
           <p:cNvPr id="3" name="页脚占位符 2">
             <a:extLst>
               <a:ext uri="{FF2B5EF4-FFF2-40B4-BE49-F238E27FC236}">
-                <a16:creationId xmlns:a16="http://schemas.microsoft.com/office/drawing/2014/main" id="{C4C141D5-2D7E-6520-F506-FB2640E1B19A}"/>
+                <a16:creationId xmlns:a16="http://schemas.microsoft.com/office/drawing/2014/main" id="{6E55F04B-C895-418B-ECD5-51373F18DA52}"/>
               </a:ext>
             </a:extLst>
           </p:cNvPr>
@@ -2100,7 +2100,7 @@
           <p:cNvPr id="4" name="灯片编号占位符 3">
             <a:extLst>
               <a:ext uri="{FF2B5EF4-FFF2-40B4-BE49-F238E27FC236}">
-                <a16:creationId xmlns:a16="http://schemas.microsoft.com/office/drawing/2014/main" id="{B22D3143-402B-1016-C63A-C0EB7070272D}"/>
+                <a16:creationId xmlns:a16="http://schemas.microsoft.com/office/drawing/2014/main" id="{359369D9-7D28-FB52-F1C1-934CD11B2A10}"/>
               </a:ext>
             </a:extLst>
           </p:cNvPr>
@@ -2116,7 +2116,7 @@
           <a:bodyPr/>
           <a:lstStyle/>
           <a:p>
-            <a:fld id="{60600FDA-BB09-4752-AEEF-061495CFC75A}" type="slidenum">
+            <a:fld id="{35424615-D202-425C-9ACA-A880F45BBC44}" type="slidenum">
               <a:rPr lang="zh-CN" altLang="en-US" smtClean="0"/>
               <a:t>‹#›</a:t>
             </a:fld>
@@ -2127,7 +2127,7 @@
     </p:spTree>
     <p:extLst>
       <p:ext uri="{BB962C8B-B14F-4D97-AF65-F5344CB8AC3E}">
-        <p14:creationId xmlns:p14="http://schemas.microsoft.com/office/powerpoint/2010/main" val="2113836298"/>
+        <p14:creationId xmlns:p14="http://schemas.microsoft.com/office/powerpoint/2010/main" val="1585863216"/>
       </p:ext>
     </p:extLst>
   </p:cSld>
@@ -2159,7 +2159,7 @@
           <p:cNvPr id="2" name="标题 1">
             <a:extLst>
               <a:ext uri="{FF2B5EF4-FFF2-40B4-BE49-F238E27FC236}">
-                <a16:creationId xmlns:a16="http://schemas.microsoft.com/office/drawing/2014/main" id="{BE1E32DF-0ACA-0E4F-05A5-8FC87B56BE3A}"/>
+                <a16:creationId xmlns:a16="http://schemas.microsoft.com/office/drawing/2014/main" id="{1D200646-C1F4-7C24-9A5E-655AE2BFB89D}"/>
               </a:ext>
             </a:extLst>
           </p:cNvPr>
@@ -2196,7 +2196,7 @@
           <p:cNvPr id="3" name="内容占位符 2">
             <a:extLst>
               <a:ext uri="{FF2B5EF4-FFF2-40B4-BE49-F238E27FC236}">
-                <a16:creationId xmlns:a16="http://schemas.microsoft.com/office/drawing/2014/main" id="{CDBD31F5-297F-404B-4D5C-CE4706AF11D7}"/>
+                <a16:creationId xmlns:a16="http://schemas.microsoft.com/office/drawing/2014/main" id="{8E132298-11ED-8A2F-6073-D29C92AE2935}"/>
               </a:ext>
             </a:extLst>
           </p:cNvPr>
@@ -2286,7 +2286,7 @@
           <p:cNvPr id="4" name="文本占位符 3">
             <a:extLst>
               <a:ext uri="{FF2B5EF4-FFF2-40B4-BE49-F238E27FC236}">
-                <a16:creationId xmlns:a16="http://schemas.microsoft.com/office/drawing/2014/main" id="{BB204E44-1F3E-02C8-356A-DC275563618B}"/>
+                <a16:creationId xmlns:a16="http://schemas.microsoft.com/office/drawing/2014/main" id="{9E1F9FB2-AD4F-BC3D-89D1-55064A3B12CD}"/>
               </a:ext>
             </a:extLst>
           </p:cNvPr>
@@ -2357,7 +2357,7 @@
           <p:cNvPr id="5" name="日期占位符 4">
             <a:extLst>
               <a:ext uri="{FF2B5EF4-FFF2-40B4-BE49-F238E27FC236}">
-                <a16:creationId xmlns:a16="http://schemas.microsoft.com/office/drawing/2014/main" id="{DAB12AD9-E071-1214-2FBF-50CE4C729B44}"/>
+                <a16:creationId xmlns:a16="http://schemas.microsoft.com/office/drawing/2014/main" id="{8C2930ED-FBDA-3799-6E41-FA8A38084B5B}"/>
               </a:ext>
             </a:extLst>
           </p:cNvPr>
@@ -2373,7 +2373,7 @@
           <a:bodyPr/>
           <a:lstStyle/>
           <a:p>
-            <a:fld id="{378DE4EC-D4D3-4588-A962-9B7C3C676FF3}" type="datetimeFigureOut">
+            <a:fld id="{ED80D837-AA9E-427A-93E8-988B4694432D}" type="datetimeFigureOut">
               <a:rPr lang="zh-CN" altLang="en-US" smtClean="0"/>
               <a:t>2024/3/10</a:t>
             </a:fld>
@@ -2386,7 +2386,7 @@
           <p:cNvPr id="6" name="页脚占位符 5">
             <a:extLst>
               <a:ext uri="{FF2B5EF4-FFF2-40B4-BE49-F238E27FC236}">
-                <a16:creationId xmlns:a16="http://schemas.microsoft.com/office/drawing/2014/main" id="{06BFAA74-B010-8781-12E2-E7B6FAB84ACD}"/>
+                <a16:creationId xmlns:a16="http://schemas.microsoft.com/office/drawing/2014/main" id="{DE1C3CBF-C889-2654-B14F-CC8BD412B477}"/>
               </a:ext>
             </a:extLst>
           </p:cNvPr>
@@ -2411,7 +2411,7 @@
           <p:cNvPr id="7" name="灯片编号占位符 6">
             <a:extLst>
               <a:ext uri="{FF2B5EF4-FFF2-40B4-BE49-F238E27FC236}">
-                <a16:creationId xmlns:a16="http://schemas.microsoft.com/office/drawing/2014/main" id="{7F36419E-1222-465E-D509-86CF5B6904DA}"/>
+                <a16:creationId xmlns:a16="http://schemas.microsoft.com/office/drawing/2014/main" id="{F9E1451C-C748-F773-9F00-6C94FFAC5801}"/>
               </a:ext>
             </a:extLst>
           </p:cNvPr>
@@ -2427,7 +2427,7 @@
           <a:bodyPr/>
           <a:lstStyle/>
           <a:p>
-            <a:fld id="{60600FDA-BB09-4752-AEEF-061495CFC75A}" type="slidenum">
+            <a:fld id="{35424615-D202-425C-9ACA-A880F45BBC44}" type="slidenum">
               <a:rPr lang="zh-CN" altLang="en-US" smtClean="0"/>
               <a:t>‹#›</a:t>
             </a:fld>
@@ -2438,7 +2438,7 @@
     </p:spTree>
     <p:extLst>
       <p:ext uri="{BB962C8B-B14F-4D97-AF65-F5344CB8AC3E}">
-        <p14:creationId xmlns:p14="http://schemas.microsoft.com/office/powerpoint/2010/main" val="909636676"/>
+        <p14:creationId xmlns:p14="http://schemas.microsoft.com/office/powerpoint/2010/main" val="3099907753"/>
       </p:ext>
     </p:extLst>
   </p:cSld>
@@ -2470,7 +2470,7 @@
           <p:cNvPr id="2" name="标题 1">
             <a:extLst>
               <a:ext uri="{FF2B5EF4-FFF2-40B4-BE49-F238E27FC236}">
-                <a16:creationId xmlns:a16="http://schemas.microsoft.com/office/drawing/2014/main" id="{E9FE8BD3-BF15-95EB-C970-8D167E68E284}"/>
+                <a16:creationId xmlns:a16="http://schemas.microsoft.com/office/drawing/2014/main" id="{15D49929-E7F2-23B5-F24D-5345442150BC}"/>
               </a:ext>
             </a:extLst>
           </p:cNvPr>
@@ -2507,7 +2507,7 @@
           <p:cNvPr id="3" name="图片占位符 2">
             <a:extLst>
               <a:ext uri="{FF2B5EF4-FFF2-40B4-BE49-F238E27FC236}">
-                <a16:creationId xmlns:a16="http://schemas.microsoft.com/office/drawing/2014/main" id="{CADF355A-BFEC-0532-0B9C-619BE3817760}"/>
+                <a16:creationId xmlns:a16="http://schemas.microsoft.com/office/drawing/2014/main" id="{B41E817F-8708-86B5-FE38-B150816A67EB}"/>
               </a:ext>
             </a:extLst>
           </p:cNvPr>
@@ -2574,7 +2574,7 @@
           <p:cNvPr id="4" name="文本占位符 3">
             <a:extLst>
               <a:ext uri="{FF2B5EF4-FFF2-40B4-BE49-F238E27FC236}">
-                <a16:creationId xmlns:a16="http://schemas.microsoft.com/office/drawing/2014/main" id="{EFE49FFC-8C15-9A26-EC03-CB3536EAF70F}"/>
+                <a16:creationId xmlns:a16="http://schemas.microsoft.com/office/drawing/2014/main" id="{FDE9EA78-C37A-C424-C6C9-3909BBEAE8D2}"/>
               </a:ext>
             </a:extLst>
           </p:cNvPr>
@@ -2645,7 +2645,7 @@
           <p:cNvPr id="5" name="日期占位符 4">
             <a:extLst>
               <a:ext uri="{FF2B5EF4-FFF2-40B4-BE49-F238E27FC236}">
-                <a16:creationId xmlns:a16="http://schemas.microsoft.com/office/drawing/2014/main" id="{994C748D-258C-34D8-9980-D5797E321476}"/>
+                <a16:creationId xmlns:a16="http://schemas.microsoft.com/office/drawing/2014/main" id="{B0DD6EDB-9083-2008-3C43-8CF9C207978B}"/>
               </a:ext>
             </a:extLst>
           </p:cNvPr>
@@ -2661,7 +2661,7 @@
           <a:bodyPr/>
           <a:lstStyle/>
           <a:p>
-            <a:fld id="{378DE4EC-D4D3-4588-A962-9B7C3C676FF3}" type="datetimeFigureOut">
+            <a:fld id="{ED80D837-AA9E-427A-93E8-988B4694432D}" type="datetimeFigureOut">
               <a:rPr lang="zh-CN" altLang="en-US" smtClean="0"/>
               <a:t>2024/3/10</a:t>
             </a:fld>
@@ -2674,7 +2674,7 @@
           <p:cNvPr id="6" name="页脚占位符 5">
             <a:extLst>
               <a:ext uri="{FF2B5EF4-FFF2-40B4-BE49-F238E27FC236}">
-                <a16:creationId xmlns:a16="http://schemas.microsoft.com/office/drawing/2014/main" id="{AB998B0E-5938-8C9B-2B06-71AA61C6B151}"/>
+                <a16:creationId xmlns:a16="http://schemas.microsoft.com/office/drawing/2014/main" id="{4A0DB037-E301-B122-C74B-735DCBA37CAB}"/>
               </a:ext>
             </a:extLst>
           </p:cNvPr>
@@ -2699,7 +2699,7 @@
           <p:cNvPr id="7" name="灯片编号占位符 6">
             <a:extLst>
               <a:ext uri="{FF2B5EF4-FFF2-40B4-BE49-F238E27FC236}">
-                <a16:creationId xmlns:a16="http://schemas.microsoft.com/office/drawing/2014/main" id="{56C78EA7-718C-741B-244A-F37969F990E7}"/>
+                <a16:creationId xmlns:a16="http://schemas.microsoft.com/office/drawing/2014/main" id="{A006707A-5AC3-BD44-3CA5-237356B0A082}"/>
               </a:ext>
             </a:extLst>
           </p:cNvPr>
@@ -2715,7 +2715,7 @@
           <a:bodyPr/>
           <a:lstStyle/>
           <a:p>
-            <a:fld id="{60600FDA-BB09-4752-AEEF-061495CFC75A}" type="slidenum">
+            <a:fld id="{35424615-D202-425C-9ACA-A880F45BBC44}" type="slidenum">
               <a:rPr lang="zh-CN" altLang="en-US" smtClean="0"/>
               <a:t>‹#›</a:t>
             </a:fld>
@@ -2726,7 +2726,7 @@
     </p:spTree>
     <p:extLst>
       <p:ext uri="{BB962C8B-B14F-4D97-AF65-F5344CB8AC3E}">
-        <p14:creationId xmlns:p14="http://schemas.microsoft.com/office/powerpoint/2010/main" val="867297942"/>
+        <p14:creationId xmlns:p14="http://schemas.microsoft.com/office/powerpoint/2010/main" val="3358969661"/>
       </p:ext>
     </p:extLst>
   </p:cSld>
@@ -2763,7 +2763,7 @@
           <p:cNvPr id="2" name="标题占位符 1">
             <a:extLst>
               <a:ext uri="{FF2B5EF4-FFF2-40B4-BE49-F238E27FC236}">
-                <a16:creationId xmlns:a16="http://schemas.microsoft.com/office/drawing/2014/main" id="{9B4556F7-9A85-3B3D-D550-27FEFB96B25F}"/>
+                <a16:creationId xmlns:a16="http://schemas.microsoft.com/office/drawing/2014/main" id="{F0D71B65-DF42-F926-97D4-0A9D65B09301}"/>
               </a:ext>
             </a:extLst>
           </p:cNvPr>
@@ -2801,7 +2801,7 @@
           <p:cNvPr id="3" name="文本占位符 2">
             <a:extLst>
               <a:ext uri="{FF2B5EF4-FFF2-40B4-BE49-F238E27FC236}">
-                <a16:creationId xmlns:a16="http://schemas.microsoft.com/office/drawing/2014/main" id="{DB6500C3-A521-2E00-9ECB-9E149CA5E647}"/>
+                <a16:creationId xmlns:a16="http://schemas.microsoft.com/office/drawing/2014/main" id="{D75CAC69-E786-28FA-F1AE-C501F4004148}"/>
               </a:ext>
             </a:extLst>
           </p:cNvPr>
@@ -2868,7 +2868,7 @@
           <p:cNvPr id="4" name="日期占位符 3">
             <a:extLst>
               <a:ext uri="{FF2B5EF4-FFF2-40B4-BE49-F238E27FC236}">
-                <a16:creationId xmlns:a16="http://schemas.microsoft.com/office/drawing/2014/main" id="{02391453-E4A5-307F-DF31-247DD9697618}"/>
+                <a16:creationId xmlns:a16="http://schemas.microsoft.com/office/drawing/2014/main" id="{877A78FB-7224-1578-A827-240CBF7ECD10}"/>
               </a:ext>
             </a:extLst>
           </p:cNvPr>
@@ -2902,7 +2902,7 @@
             </a:lvl1pPr>
           </a:lstStyle>
           <a:p>
-            <a:fld id="{378DE4EC-D4D3-4588-A962-9B7C3C676FF3}" type="datetimeFigureOut">
+            <a:fld id="{ED80D837-AA9E-427A-93E8-988B4694432D}" type="datetimeFigureOut">
               <a:rPr lang="zh-CN" altLang="en-US" smtClean="0"/>
               <a:t>2024/3/10</a:t>
             </a:fld>
@@ -2915,7 +2915,7 @@
           <p:cNvPr id="5" name="页脚占位符 4">
             <a:extLst>
               <a:ext uri="{FF2B5EF4-FFF2-40B4-BE49-F238E27FC236}">
-                <a16:creationId xmlns:a16="http://schemas.microsoft.com/office/drawing/2014/main" id="{A1703A51-96FA-06B6-8389-F8B395BCE588}"/>
+                <a16:creationId xmlns:a16="http://schemas.microsoft.com/office/drawing/2014/main" id="{2D96C26A-21EB-E7C3-B7EC-626BFE665C8A}"/>
               </a:ext>
             </a:extLst>
           </p:cNvPr>
@@ -2958,7 +2958,7 @@
           <p:cNvPr id="6" name="灯片编号占位符 5">
             <a:extLst>
               <a:ext uri="{FF2B5EF4-FFF2-40B4-BE49-F238E27FC236}">
-                <a16:creationId xmlns:a16="http://schemas.microsoft.com/office/drawing/2014/main" id="{3EB9EF5A-CD61-66ED-F460-928ACCEF203A}"/>
+                <a16:creationId xmlns:a16="http://schemas.microsoft.com/office/drawing/2014/main" id="{E25DDDBB-DFC0-E453-F250-5A6955ED62C2}"/>
               </a:ext>
             </a:extLst>
           </p:cNvPr>
@@ -2992,7 +2992,7 @@
             </a:lvl1pPr>
           </a:lstStyle>
           <a:p>
-            <a:fld id="{60600FDA-BB09-4752-AEEF-061495CFC75A}" type="slidenum">
+            <a:fld id="{35424615-D202-425C-9ACA-A880F45BBC44}" type="slidenum">
               <a:rPr lang="zh-CN" altLang="en-US" smtClean="0"/>
               <a:t>‹#›</a:t>
             </a:fld>
@@ -3003,7 +3003,7 @@
     </p:spTree>
     <p:extLst>
       <p:ext uri="{BB962C8B-B14F-4D97-AF65-F5344CB8AC3E}">
-        <p14:creationId xmlns:p14="http://schemas.microsoft.com/office/powerpoint/2010/main" val="446831676"/>
+        <p14:creationId xmlns:p14="http://schemas.microsoft.com/office/powerpoint/2010/main" val="2772868222"/>
       </p:ext>
     </p:extLst>
   </p:cSld>
@@ -3323,7 +3323,7 @@
       </p:grpSpPr>
       <p:pic>
         <p:nvPicPr>
-          <p:cNvPr id="724994" name="Picture 2" descr="707"/>
+          <p:cNvPr id="726018" name="Picture 2" descr="708"/>
           <p:cNvPicPr>
             <a:picLocks noChangeAspect="1" noChangeArrowheads="1"/>
           </p:cNvPicPr>
@@ -3345,7 +3345,7 @@
         <p:spPr bwMode="auto">
           <a:xfrm>
             <a:off x="1524000" y="0"/>
-            <a:ext cx="9144000" cy="4941888"/>
+            <a:ext cx="9144000" cy="6858000"/>
           </a:xfrm>
           <a:prstGeom prst="rect">
             <a:avLst/>
@@ -3375,11 +3375,158 @@
           </a:extLst>
         </p:spPr>
       </p:pic>
+      <p:pic>
+        <p:nvPicPr>
+          <p:cNvPr id="727043" name="Picture 3" descr="708-2"/>
+          <p:cNvPicPr>
+            <a:picLocks noChangeAspect="1" noChangeArrowheads="1"/>
+          </p:cNvPicPr>
+          <p:nvPr/>
+        </p:nvPicPr>
+        <p:blipFill>
+          <a:blip r:embed="rId3">
+            <a:extLst>
+              <a:ext uri="{28A0092B-C50C-407E-A947-70E740481C1C}">
+                <a14:useLocalDpi xmlns:a14="http://schemas.microsoft.com/office/drawing/2010/main" val="0"/>
+              </a:ext>
+            </a:extLst>
+          </a:blip>
+          <a:srcRect/>
+          <a:stretch>
+            <a:fillRect/>
+          </a:stretch>
+        </p:blipFill>
+        <p:spPr bwMode="auto">
+          <a:xfrm>
+            <a:off x="1501776" y="0"/>
+            <a:ext cx="9129713" cy="6858000"/>
+          </a:xfrm>
+          <a:prstGeom prst="rect">
+            <a:avLst/>
+          </a:prstGeom>
+          <a:noFill/>
+          <a:ln>
+            <a:noFill/>
+          </a:ln>
+          <a:effectLst/>
+          <a:extLst>
+            <a:ext uri="{909E8E84-426E-40DD-AFC4-6F175D3DCCD1}">
+              <a14:hiddenFill xmlns:a14="http://schemas.microsoft.com/office/drawing/2010/main">
+                <a:solidFill>
+                  <a:srgbClr val="FFFFFF"/>
+                </a:solidFill>
+              </a14:hiddenFill>
+            </a:ext>
+            <a:ext uri="{91240B29-F687-4F45-9708-019B960494DF}">
+              <a14:hiddenLine xmlns:a14="http://schemas.microsoft.com/office/drawing/2010/main" w="9525">
+                <a:solidFill>
+                  <a:srgbClr val="000000"/>
+                </a:solidFill>
+                <a:miter lim="800000"/>
+                <a:headEnd/>
+                <a:tailEnd/>
+              </a14:hiddenLine>
+            </a:ext>
+            <a:ext uri="{AF507438-7753-43E0-B8FC-AC1667EBCBE1}">
+              <a14:hiddenEffects xmlns:a14="http://schemas.microsoft.com/office/drawing/2010/main">
+                <a:effectLst>
+                  <a:outerShdw dist="35921" dir="2700000" algn="ctr" rotWithShape="0">
+                    <a:srgbClr val="808080"/>
+                  </a:outerShdw>
+                </a:effectLst>
+              </a14:hiddenEffects>
+            </a:ext>
+          </a:extLst>
+        </p:spPr>
+      </p:pic>
     </p:spTree>
   </p:cSld>
   <p:clrMapOvr>
     <a:masterClrMapping/>
   </p:clrMapOvr>
+  <p:timing>
+    <p:tnLst>
+      <p:par>
+        <p:cTn id="1" dur="indefinite" restart="never" nodeType="tmRoot">
+          <p:childTnLst>
+            <p:seq concurrent="1" nextAc="seek">
+              <p:cTn id="2" dur="indefinite" nodeType="mainSeq">
+                <p:childTnLst>
+                  <p:par>
+                    <p:cTn id="3" fill="hold" nodeType="clickPar">
+                      <p:stCondLst>
+                        <p:cond delay="indefinite"/>
+                      </p:stCondLst>
+                      <p:childTnLst>
+                        <p:par>
+                          <p:cTn id="4" fill="hold" nodeType="withGroup">
+                            <p:stCondLst>
+                              <p:cond delay="0"/>
+                            </p:stCondLst>
+                            <p:childTnLst>
+                              <p:par>
+                                <p:cTn id="5" presetID="10" presetClass="entr" presetSubtype="0" fill="hold" nodeType="clickEffect">
+                                  <p:stCondLst>
+                                    <p:cond delay="0"/>
+                                  </p:stCondLst>
+                                  <p:childTnLst>
+                                    <p:set>
+                                      <p:cBhvr>
+                                        <p:cTn id="6" dur="1" fill="hold">
+                                          <p:stCondLst>
+                                            <p:cond delay="0"/>
+                                          </p:stCondLst>
+                                        </p:cTn>
+                                        <p:tgtEl>
+                                          <p:spTgt spid="727043"/>
+                                        </p:tgtEl>
+                                        <p:attrNameLst>
+                                          <p:attrName>style.visibility</p:attrName>
+                                        </p:attrNameLst>
+                                      </p:cBhvr>
+                                      <p:to>
+                                        <p:strVal val="visible"/>
+                                      </p:to>
+                                    </p:set>
+                                    <p:animEffect transition="in" filter="fade">
+                                      <p:cBhvr>
+                                        <p:cTn id="7" dur="500"/>
+                                        <p:tgtEl>
+                                          <p:spTgt spid="727043"/>
+                                        </p:tgtEl>
+                                      </p:cBhvr>
+                                    </p:animEffect>
+                                  </p:childTnLst>
+                                </p:cTn>
+                              </p:par>
+                            </p:childTnLst>
+                          </p:cTn>
+                        </p:par>
+                      </p:childTnLst>
+                    </p:cTn>
+                  </p:par>
+                </p:childTnLst>
+              </p:cTn>
+              <p:prevCondLst>
+                <p:cond evt="onPrev" delay="0">
+                  <p:tgtEl>
+                    <p:sldTgt/>
+                  </p:tgtEl>
+                </p:cond>
+              </p:prevCondLst>
+              <p:nextCondLst>
+                <p:cond evt="onNext" delay="0">
+                  <p:tgtEl>
+                    <p:sldTgt/>
+                  </p:tgtEl>
+                </p:cond>
+              </p:nextCondLst>
+            </p:seq>
+          </p:childTnLst>
+        </p:cTn>
+      </p:par>
+    </p:tnLst>
+  </p:timing>
 </p:sld>
 </file>
 
